--- a/presentation.pptx
+++ b/presentation.pptx
@@ -5,7 +5,7 @@
     <p:sldMasterId id="2147483678" r:id="rId1"/>
   </p:sldMasterIdLst>
   <p:notesMasterIdLst>
-    <p:notesMasterId r:id="rId18"/>
+    <p:notesMasterId r:id="rId21"/>
   </p:notesMasterIdLst>
   <p:sldIdLst>
     <p:sldId id="256" r:id="rId2"/>
@@ -19,11 +19,14 @@
     <p:sldId id="264" r:id="rId10"/>
     <p:sldId id="265" r:id="rId11"/>
     <p:sldId id="266" r:id="rId12"/>
-    <p:sldId id="267" r:id="rId13"/>
-    <p:sldId id="268" r:id="rId14"/>
-    <p:sldId id="269" r:id="rId15"/>
-    <p:sldId id="270" r:id="rId16"/>
-    <p:sldId id="271" r:id="rId17"/>
+    <p:sldId id="274" r:id="rId13"/>
+    <p:sldId id="272" r:id="rId14"/>
+    <p:sldId id="273" r:id="rId15"/>
+    <p:sldId id="267" r:id="rId16"/>
+    <p:sldId id="268" r:id="rId17"/>
+    <p:sldId id="269" r:id="rId18"/>
+    <p:sldId id="270" r:id="rId19"/>
+    <p:sldId id="271" r:id="rId20"/>
   </p:sldIdLst>
   <p:sldSz cx="12192000" cy="6858000"/>
   <p:notesSz cx="6858000" cy="9144000"/>
@@ -6709,6 +6712,13 @@
             </a:r>
           </a:p>
           <a:p>
+            <a:pPr lvl="1"/>
+            <a:r>
+              <a:rPr lang="en-US" dirty="0"/>
+              <a:t>Decision Tree</a:t>
+            </a:r>
+          </a:p>
+          <a:p>
             <a:endParaRPr lang="en-US" dirty="0"/>
           </a:p>
         </p:txBody>
@@ -6858,7 +6868,7 @@
           <a:p>
             <a:r>
               <a:rPr lang="en-US" dirty="0"/>
-              <a:t>Results: K-Means</a:t>
+              <a:t>Results: MPP</a:t>
             </a:r>
           </a:p>
         </p:txBody>
@@ -6893,44 +6903,62 @@
           <a:p>
             <a:r>
               <a:rPr lang="en-US" dirty="0"/>
-              <a:t>Generic features only:</a:t>
+              <a:t>Case 1:</a:t>
             </a:r>
           </a:p>
           <a:p>
             <a:pPr lvl="1"/>
             <a:r>
               <a:rPr lang="en-US" dirty="0"/>
-              <a:t>75-85% sensitivity (not bad!)</a:t>
+              <a:t>.04 sensitivity</a:t>
             </a:r>
           </a:p>
           <a:p>
             <a:pPr lvl="1"/>
             <a:r>
               <a:rPr lang="en-US" dirty="0"/>
-              <a:t>Poor (~50%) specificity – barely better than a coin flip</a:t>
-            </a:r>
-          </a:p>
-          <a:p>
-            <a:r>
-              <a:rPr lang="en-US" dirty="0"/>
-              <a:t>Targeted features included:</a:t>
+              <a:t>.93 specificity</a:t>
+            </a:r>
+          </a:p>
+          <a:p>
+            <a:r>
+              <a:rPr lang="en-US" dirty="0"/>
+              <a:t>Case 2:</a:t>
             </a:r>
           </a:p>
           <a:p>
             <a:pPr lvl="1"/>
             <a:r>
               <a:rPr lang="en-US" dirty="0"/>
-              <a:t>No substantial changes</a:t>
-            </a:r>
-          </a:p>
-          <a:p>
-            <a:r>
-              <a:rPr lang="en-US" dirty="0"/>
-              <a:t>Starting cluster centers generated randomly – exact results varied based on runs</a:t>
-            </a:r>
-          </a:p>
-          <a:p>
-            <a:endParaRPr lang="en-US" dirty="0"/>
+              <a:t>.12 sensitivity</a:t>
+            </a:r>
+          </a:p>
+          <a:p>
+            <a:pPr lvl="1"/>
+            <a:r>
+              <a:rPr lang="en-US" dirty="0"/>
+              <a:t>.86 specificity</a:t>
+            </a:r>
+          </a:p>
+          <a:p>
+            <a:r>
+              <a:rPr lang="en-US" dirty="0"/>
+              <a:t>Case 3:</a:t>
+            </a:r>
+          </a:p>
+          <a:p>
+            <a:pPr lvl="1"/>
+            <a:r>
+              <a:rPr lang="en-US" dirty="0"/>
+              <a:t>.08 sensitivity</a:t>
+            </a:r>
+          </a:p>
+          <a:p>
+            <a:pPr lvl="1"/>
+            <a:r>
+              <a:rPr lang="en-US" dirty="0"/>
+              <a:t>.88 specificity</a:t>
+            </a:r>
           </a:p>
         </p:txBody>
       </p:sp>
@@ -6963,10 +6991,76 @@
           </a:p>
         </p:txBody>
       </p:sp>
+      <p:pic>
+        <p:nvPicPr>
+          <p:cNvPr id="6" name="Picture 5" descr="A screenshot of a cell phone&#10;&#10;Description automatically generated">
+            <a:extLst>
+              <a:ext uri="{FF2B5EF4-FFF2-40B4-BE49-F238E27FC236}">
+                <a16:creationId xmlns:a16="http://schemas.microsoft.com/office/drawing/2014/main" id="{EABD5FDD-F35C-4346-BE32-C6CAADC6F87D}"/>
+              </a:ext>
+            </a:extLst>
+          </p:cNvPr>
+          <p:cNvPicPr>
+            <a:picLocks noChangeAspect="1"/>
+          </p:cNvPicPr>
+          <p:nvPr/>
+        </p:nvPicPr>
+        <p:blipFill>
+          <a:blip r:embed="rId2"/>
+          <a:stretch>
+            <a:fillRect/>
+          </a:stretch>
+        </p:blipFill>
+        <p:spPr>
+          <a:xfrm>
+            <a:off x="5664200" y="1712127"/>
+            <a:ext cx="5842000" cy="4381500"/>
+          </a:xfrm>
+          <a:prstGeom prst="rect">
+            <a:avLst/>
+          </a:prstGeom>
+        </p:spPr>
+      </p:pic>
+      <p:sp>
+        <p:nvSpPr>
+          <p:cNvPr id="7" name="TextBox 6">
+            <a:extLst>
+              <a:ext uri="{FF2B5EF4-FFF2-40B4-BE49-F238E27FC236}">
+                <a16:creationId xmlns:a16="http://schemas.microsoft.com/office/drawing/2014/main" id="{A97BD806-980C-A848-ADF2-6FBF4A7C3032}"/>
+              </a:ext>
+            </a:extLst>
+          </p:cNvPr>
+          <p:cNvSpPr txBox="1"/>
+          <p:nvPr/>
+        </p:nvSpPr>
+        <p:spPr>
+          <a:xfrm>
+            <a:off x="5664201" y="6218684"/>
+            <a:ext cx="5841999" cy="369332"/>
+          </a:xfrm>
+          <a:prstGeom prst="rect">
+            <a:avLst/>
+          </a:prstGeom>
+          <a:noFill/>
+        </p:spPr>
+        <p:txBody>
+          <a:bodyPr wrap="square" rtlCol="0">
+            <a:spAutoFit/>
+          </a:bodyPr>
+          <a:lstStyle/>
+          <a:p>
+            <a:pPr algn="ctr"/>
+            <a:r>
+              <a:rPr lang="en-US" dirty="0"/>
+              <a:t>MPP Case 2 ROC Curve</a:t>
+            </a:r>
+          </a:p>
+        </p:txBody>
+      </p:sp>
     </p:spTree>
     <p:extLst>
       <p:ext uri="{BB962C8B-B14F-4D97-AF65-F5344CB8AC3E}">
-        <p14:creationId xmlns:p14="http://schemas.microsoft.com/office/powerpoint/2010/main" val="433579977"/>
+        <p14:creationId xmlns:p14="http://schemas.microsoft.com/office/powerpoint/2010/main" val="2691502245"/>
       </p:ext>
     </p:extLst>
   </p:cSld>
@@ -7016,8 +7110,13 @@
           <a:p>
             <a:r>
               <a:rPr lang="en-US" dirty="0"/>
-              <a:t>Results: Winner-Take-All</a:t>
-            </a:r>
+              <a:t>Results: Supervised </a:t>
+            </a:r>
+            <a:r>
+              <a:rPr lang="en-US" dirty="0" err="1"/>
+              <a:t>LEarning</a:t>
+            </a:r>
+            <a:endParaRPr lang="en-US" dirty="0"/>
           </a:p>
         </p:txBody>
       </p:sp>
@@ -7051,49 +7150,72 @@
           <a:p>
             <a:r>
               <a:rPr lang="en-US" dirty="0"/>
-              <a:t>Generic features only:</a:t>
+              <a:t>Decision Tree:</a:t>
             </a:r>
           </a:p>
           <a:p>
             <a:pPr lvl="1"/>
             <a:r>
               <a:rPr lang="en-US" dirty="0"/>
-              <a:t>Very good sensitivity (&gt; 90% on some runs)</a:t>
+              <a:t>.67 sensitivity</a:t>
             </a:r>
           </a:p>
           <a:p>
             <a:pPr lvl="1"/>
             <a:r>
               <a:rPr lang="en-US" dirty="0"/>
-              <a:t>Very Poor specificity (&lt; 30% on some runs)</a:t>
-            </a:r>
-          </a:p>
-          <a:p>
-            <a:r>
-              <a:rPr lang="en-US" dirty="0"/>
-              <a:t>Targeted features included:</a:t>
+              <a:t>.82 specificity</a:t>
+            </a:r>
+          </a:p>
+          <a:p>
+            <a:r>
+              <a:rPr lang="en-US" dirty="0"/>
+              <a:t>Linear SVM:</a:t>
             </a:r>
           </a:p>
           <a:p>
             <a:pPr lvl="1"/>
             <a:r>
               <a:rPr lang="en-US" dirty="0"/>
-              <a:t>Slightly improved specificity, but no substantial change</a:t>
-            </a:r>
-          </a:p>
-          <a:p>
-            <a:r>
-              <a:rPr lang="en-US" dirty="0"/>
-              <a:t>Starting cluster centers generated randomly – exact results varied based on runs</a:t>
-            </a:r>
-          </a:p>
-          <a:p>
-            <a:r>
-              <a:rPr lang="en-US" dirty="0"/>
-              <a:t>e = 0.01</a:t>
-            </a:r>
-          </a:p>
-          <a:p>
+              <a:t>0 sensitivity (uh-oh)</a:t>
+            </a:r>
+          </a:p>
+          <a:p>
+            <a:pPr lvl="1"/>
+            <a:r>
+              <a:rPr lang="en-US" dirty="0"/>
+              <a:t>1.00 specificity</a:t>
+            </a:r>
+          </a:p>
+          <a:p>
+            <a:pPr lvl="1"/>
+            <a:r>
+              <a:rPr lang="en-US" dirty="0"/>
+              <a:t>Not a good overall solution</a:t>
+            </a:r>
+          </a:p>
+          <a:p>
+            <a:r>
+              <a:rPr lang="en-US" dirty="0"/>
+              <a:t>Poly SVM:</a:t>
+            </a:r>
+          </a:p>
+          <a:p>
+            <a:pPr lvl="1"/>
+            <a:r>
+              <a:rPr lang="en-US" dirty="0"/>
+              <a:t>.17 sensitivity</a:t>
+            </a:r>
+          </a:p>
+          <a:p>
+            <a:pPr lvl="1"/>
+            <a:r>
+              <a:rPr lang="en-US" dirty="0"/>
+              <a:t>.99 specificity</a:t>
+            </a:r>
+          </a:p>
+          <a:p>
+            <a:pPr lvl="1"/>
             <a:endParaRPr lang="en-US" dirty="0"/>
           </a:p>
         </p:txBody>
@@ -7127,10 +7249,76 @@
           </a:p>
         </p:txBody>
       </p:sp>
+      <p:sp>
+        <p:nvSpPr>
+          <p:cNvPr id="5" name="TextBox 4">
+            <a:extLst>
+              <a:ext uri="{FF2B5EF4-FFF2-40B4-BE49-F238E27FC236}">
+                <a16:creationId xmlns:a16="http://schemas.microsoft.com/office/drawing/2014/main" id="{A2340295-BC2E-E44D-AF9E-DEC681E917A6}"/>
+              </a:ext>
+            </a:extLst>
+          </p:cNvPr>
+          <p:cNvSpPr txBox="1"/>
+          <p:nvPr/>
+        </p:nvSpPr>
+        <p:spPr>
+          <a:xfrm>
+            <a:off x="5664201" y="6218684"/>
+            <a:ext cx="5841999" cy="369332"/>
+          </a:xfrm>
+          <a:prstGeom prst="rect">
+            <a:avLst/>
+          </a:prstGeom>
+          <a:noFill/>
+        </p:spPr>
+        <p:txBody>
+          <a:bodyPr wrap="square" rtlCol="0">
+            <a:spAutoFit/>
+          </a:bodyPr>
+          <a:lstStyle/>
+          <a:p>
+            <a:pPr algn="ctr"/>
+            <a:r>
+              <a:rPr lang="en-US" dirty="0"/>
+              <a:t>Decision Tree ROC Curve</a:t>
+            </a:r>
+          </a:p>
+        </p:txBody>
+      </p:sp>
+      <p:pic>
+        <p:nvPicPr>
+          <p:cNvPr id="7" name="Picture 6" descr="A screenshot of a cell phone&#10;&#10;Description automatically generated">
+            <a:extLst>
+              <a:ext uri="{FF2B5EF4-FFF2-40B4-BE49-F238E27FC236}">
+                <a16:creationId xmlns:a16="http://schemas.microsoft.com/office/drawing/2014/main" id="{9D9AA322-5E1A-8740-BF50-5253A013DCB4}"/>
+              </a:ext>
+            </a:extLst>
+          </p:cNvPr>
+          <p:cNvPicPr>
+            <a:picLocks noChangeAspect="1"/>
+          </p:cNvPicPr>
+          <p:nvPr/>
+        </p:nvPicPr>
+        <p:blipFill>
+          <a:blip r:embed="rId2"/>
+          <a:stretch>
+            <a:fillRect/>
+          </a:stretch>
+        </p:blipFill>
+        <p:spPr>
+          <a:xfrm>
+            <a:off x="5664201" y="1700026"/>
+            <a:ext cx="5842000" cy="4381500"/>
+          </a:xfrm>
+          <a:prstGeom prst="rect">
+            <a:avLst/>
+          </a:prstGeom>
+        </p:spPr>
+      </p:pic>
     </p:spTree>
     <p:extLst>
       <p:ext uri="{BB962C8B-B14F-4D97-AF65-F5344CB8AC3E}">
-        <p14:creationId xmlns:p14="http://schemas.microsoft.com/office/powerpoint/2010/main" val="1222034625"/>
+        <p14:creationId xmlns:p14="http://schemas.microsoft.com/office/powerpoint/2010/main" val="58531411"/>
       </p:ext>
     </p:extLst>
   </p:cSld>
@@ -7180,16 +7368,13 @@
           <a:p>
             <a:r>
               <a:rPr lang="en-US" dirty="0"/>
-              <a:t>Results: </a:t>
+              <a:t>Results: Supervised </a:t>
             </a:r>
             <a:r>
               <a:rPr lang="en-US" dirty="0" err="1"/>
-              <a:t>Kohonen</a:t>
-            </a:r>
-            <a:r>
-              <a:rPr lang="en-US" dirty="0"/>
-              <a:t> maps</a:t>
-            </a:r>
+              <a:t>LEarning</a:t>
+            </a:r>
+            <a:endParaRPr lang="en-US" dirty="0"/>
           </a:p>
         </p:txBody>
       </p:sp>
@@ -7223,57 +7408,66 @@
           <a:p>
             <a:r>
               <a:rPr lang="en-US" dirty="0"/>
-              <a:t>Generic features only:</a:t>
+              <a:t>Sigmoid SVM:</a:t>
             </a:r>
           </a:p>
           <a:p>
             <a:pPr lvl="1"/>
             <a:r>
               <a:rPr lang="en-US" dirty="0"/>
-              <a:t>Good sensitivity (around 80%)</a:t>
+              <a:t>.14 sensitivity</a:t>
             </a:r>
           </a:p>
           <a:p>
             <a:pPr lvl="1"/>
             <a:r>
               <a:rPr lang="en-US" dirty="0"/>
-              <a:t>Poor specificity (50% or less)</a:t>
-            </a:r>
-          </a:p>
-          <a:p>
-            <a:r>
-              <a:rPr lang="en-US" dirty="0"/>
-              <a:t>Targeted features included:</a:t>
+              <a:t>.85 specificity</a:t>
+            </a:r>
+          </a:p>
+          <a:p>
+            <a:r>
+              <a:rPr lang="en-US" dirty="0" err="1"/>
+              <a:t>kNN</a:t>
+            </a:r>
+            <a:r>
+              <a:rPr lang="en-US" dirty="0"/>
+              <a:t> (k = 3):</a:t>
             </a:r>
           </a:p>
           <a:p>
             <a:pPr lvl="1"/>
             <a:r>
               <a:rPr lang="en-US" dirty="0"/>
-              <a:t>Increased sensitivity (&gt; 90%)</a:t>
+              <a:t>.38 sensitivity</a:t>
             </a:r>
           </a:p>
           <a:p>
             <a:pPr lvl="1"/>
             <a:r>
               <a:rPr lang="en-US" dirty="0"/>
-              <a:t>Decreased specificity (25-30%)</a:t>
-            </a:r>
-          </a:p>
-          <a:p>
-            <a:r>
-              <a:rPr lang="en-US" dirty="0"/>
-              <a:t>Starting cluster centers generated randomly – exact results varied based on runs</a:t>
-            </a:r>
-          </a:p>
-          <a:p>
-            <a:r>
-              <a:rPr lang="en-US" dirty="0"/>
-              <a:t>e = 0.0001, 100 iterations</a:t>
-            </a:r>
-          </a:p>
-          <a:p>
-            <a:endParaRPr lang="en-US" dirty="0"/>
+              <a:t>.92 specificity</a:t>
+            </a:r>
+          </a:p>
+          <a:p>
+            <a:r>
+              <a:rPr lang="en-US" dirty="0"/>
+              <a:t>Back-propagating neural network:</a:t>
+            </a:r>
+          </a:p>
+          <a:p>
+            <a:pPr lvl="1"/>
+            <a:r>
+              <a:rPr lang="en-US" dirty="0"/>
+              <a:t>.66 sensitivity</a:t>
+            </a:r>
+          </a:p>
+          <a:p>
+            <a:pPr lvl="1"/>
+            <a:r>
+              <a:rPr lang="en-US" dirty="0"/>
+              <a:t>.79 specificity</a:t>
+            </a:r>
           </a:p>
         </p:txBody>
       </p:sp>
@@ -7306,10 +7500,75 @@
           </a:p>
         </p:txBody>
       </p:sp>
+      <p:sp>
+        <p:nvSpPr>
+          <p:cNvPr id="5" name="TextBox 4">
+            <a:extLst>
+              <a:ext uri="{FF2B5EF4-FFF2-40B4-BE49-F238E27FC236}">
+                <a16:creationId xmlns:a16="http://schemas.microsoft.com/office/drawing/2014/main" id="{BA2302D8-7713-004B-AA4C-A2D212A66A79}"/>
+              </a:ext>
+            </a:extLst>
+          </p:cNvPr>
+          <p:cNvSpPr txBox="1"/>
+          <p:nvPr/>
+        </p:nvSpPr>
+        <p:spPr>
+          <a:xfrm>
+            <a:off x="5664201" y="6218684"/>
+            <a:ext cx="5841999" cy="369332"/>
+          </a:xfrm>
+          <a:prstGeom prst="rect">
+            <a:avLst/>
+          </a:prstGeom>
+          <a:noFill/>
+        </p:spPr>
+        <p:txBody>
+          <a:bodyPr wrap="square" rtlCol="0">
+            <a:spAutoFit/>
+          </a:bodyPr>
+          <a:lstStyle/>
+          <a:p>
+            <a:pPr algn="ctr"/>
+            <a:r>
+              <a:rPr lang="en-US" dirty="0"/>
+              <a:t>BPNN ROC Curve</a:t>
+            </a:r>
+          </a:p>
+        </p:txBody>
+      </p:sp>
+      <p:pic>
+        <p:nvPicPr>
+          <p:cNvPr id="6" name="Picture 5">
+            <a:extLst>
+              <a:ext uri="{FF2B5EF4-FFF2-40B4-BE49-F238E27FC236}">
+                <a16:creationId xmlns:a16="http://schemas.microsoft.com/office/drawing/2014/main" id="{DF473163-2DF5-9949-808A-F514B042DD6E}"/>
+              </a:ext>
+            </a:extLst>
+          </p:cNvPr>
+          <p:cNvPicPr>
+            <a:picLocks noChangeAspect="1"/>
+          </p:cNvPicPr>
+          <p:nvPr/>
+        </p:nvPicPr>
+        <p:blipFill>
+          <a:blip r:embed="rId2"/>
+          <a:srcRect/>
+          <a:stretch/>
+        </p:blipFill>
+        <p:spPr>
+          <a:xfrm>
+            <a:off x="5664201" y="1700026"/>
+            <a:ext cx="5842000" cy="4381500"/>
+          </a:xfrm>
+          <a:prstGeom prst="rect">
+            <a:avLst/>
+          </a:prstGeom>
+        </p:spPr>
+      </p:pic>
     </p:spTree>
     <p:extLst>
       <p:ext uri="{BB962C8B-B14F-4D97-AF65-F5344CB8AC3E}">
-        <p14:creationId xmlns:p14="http://schemas.microsoft.com/office/powerpoint/2010/main" val="3471649585"/>
+        <p14:creationId xmlns:p14="http://schemas.microsoft.com/office/powerpoint/2010/main" val="3646378608"/>
       </p:ext>
     </p:extLst>
   </p:cSld>
@@ -7359,7 +7618,7 @@
           <a:p>
             <a:r>
               <a:rPr lang="en-US" dirty="0"/>
-              <a:t>Unsupervised overview</a:t>
+              <a:t>Results: K-Means</a:t>
             </a:r>
           </a:p>
         </p:txBody>
@@ -7394,13 +7653,52 @@
           <a:p>
             <a:r>
               <a:rPr lang="en-US" dirty="0"/>
-              <a:t>Methods overall performed poorly</a:t>
-            </a:r>
-          </a:p>
-          <a:p>
-            <a:r>
-              <a:rPr lang="en-US" dirty="0"/>
-              <a:t>Ability to correctly identify an author of limited utility if the model can’t identify NOT the author</a:t>
+              <a:t>Generic features only:</a:t>
+            </a:r>
+          </a:p>
+          <a:p>
+            <a:pPr lvl="1"/>
+            <a:r>
+              <a:rPr lang="en-US" dirty="0"/>
+              <a:t>75-85% sensitivity (not bad!)</a:t>
+            </a:r>
+          </a:p>
+          <a:p>
+            <a:pPr lvl="1"/>
+            <a:r>
+              <a:rPr lang="en-US" dirty="0"/>
+              <a:t>Poor (~50%) specificity – barely better than a coin flip</a:t>
+            </a:r>
+          </a:p>
+          <a:p>
+            <a:r>
+              <a:rPr lang="en-US" dirty="0"/>
+              <a:t>Targeted features included:</a:t>
+            </a:r>
+          </a:p>
+          <a:p>
+            <a:pPr lvl="1"/>
+            <a:r>
+              <a:rPr lang="en-US" dirty="0"/>
+              <a:t>No substantial changes</a:t>
+            </a:r>
+          </a:p>
+          <a:p>
+            <a:r>
+              <a:rPr lang="en-US" dirty="0"/>
+              <a:t>Starting cluster centers generated randomly – exact results varied based on runs</a:t>
+            </a:r>
+          </a:p>
+          <a:p>
+            <a:r>
+              <a:rPr lang="en-US" dirty="0"/>
+              <a:t>FLD breaks classifier – everything shoved into a single cluster</a:t>
+            </a:r>
+          </a:p>
+          <a:p>
+            <a:r>
+              <a:rPr lang="en-US" dirty="0"/>
+              <a:t>PCA increases sensitivity slightly and decreases specificity slightly</a:t>
             </a:r>
           </a:p>
           <a:p>
@@ -7440,7 +7738,7 @@
     </p:spTree>
     <p:extLst>
       <p:ext uri="{BB962C8B-B14F-4D97-AF65-F5344CB8AC3E}">
-        <p14:creationId xmlns:p14="http://schemas.microsoft.com/office/powerpoint/2010/main" val="3101550860"/>
+        <p14:creationId xmlns:p14="http://schemas.microsoft.com/office/powerpoint/2010/main" val="433579977"/>
       </p:ext>
     </p:extLst>
   </p:cSld>
@@ -7490,7 +7788,7 @@
           <a:p>
             <a:r>
               <a:rPr lang="en-US" dirty="0"/>
-              <a:t>Future Work</a:t>
+              <a:t>Results: Winner-Take-All</a:t>
             </a:r>
           </a:p>
         </p:txBody>
@@ -7525,20 +7823,59 @@
           <a:p>
             <a:r>
               <a:rPr lang="en-US" dirty="0"/>
-              <a:t>Detailed feature extraction based on sentence structure would probably yield better classifier results</a:t>
+              <a:t>Generic features only:</a:t>
             </a:r>
           </a:p>
           <a:p>
             <a:pPr lvl="1"/>
             <a:r>
               <a:rPr lang="en-US" dirty="0"/>
-              <a:t>This was beyond the scope of our abilities for this project, in terms of both time </a:t>
-            </a:r>
-            <a:r>
-              <a:rPr lang="en-US"/>
-              <a:t>and computing power</a:t>
-            </a:r>
-            <a:endParaRPr lang="en-US" dirty="0"/>
+              <a:t>Very good sensitivity (&gt; 90% on some runs)</a:t>
+            </a:r>
+          </a:p>
+          <a:p>
+            <a:pPr lvl="1"/>
+            <a:r>
+              <a:rPr lang="en-US" dirty="0"/>
+              <a:t>Very Poor specificity (&lt; 30% on some runs)</a:t>
+            </a:r>
+          </a:p>
+          <a:p>
+            <a:r>
+              <a:rPr lang="en-US" dirty="0"/>
+              <a:t>Targeted features included:</a:t>
+            </a:r>
+          </a:p>
+          <a:p>
+            <a:pPr lvl="1"/>
+            <a:r>
+              <a:rPr lang="en-US" dirty="0"/>
+              <a:t>Slightly improved specificity, but no substantial change</a:t>
+            </a:r>
+          </a:p>
+          <a:p>
+            <a:r>
+              <a:rPr lang="en-US" dirty="0"/>
+              <a:t>Starting cluster centers generated randomly – exact results varied based on runs</a:t>
+            </a:r>
+          </a:p>
+          <a:p>
+            <a:r>
+              <a:rPr lang="en-US" dirty="0"/>
+              <a:t>FLD breaks classifier – everything shoved into a single cluster</a:t>
+            </a:r>
+          </a:p>
+          <a:p>
+            <a:r>
+              <a:rPr lang="en-US" dirty="0"/>
+              <a:t>PCA has no noticeable effects in either direction</a:t>
+            </a:r>
+          </a:p>
+          <a:p>
+            <a:r>
+              <a:rPr lang="en-US" dirty="0"/>
+              <a:t>e = 0.01</a:t>
+            </a:r>
           </a:p>
           <a:p>
             <a:endParaRPr lang="en-US" dirty="0"/>
@@ -7569,6 +7906,475 @@
             <a:fld id="{3A4BAB20-50F8-EF4B-8837-84AB231E2086}" type="slidenum">
               <a:rPr lang="en-US" smtClean="0"/>
               <a:t>16</a:t>
+            </a:fld>
+            <a:endParaRPr lang="en-US" dirty="0"/>
+          </a:p>
+        </p:txBody>
+      </p:sp>
+    </p:spTree>
+    <p:extLst>
+      <p:ext uri="{BB962C8B-B14F-4D97-AF65-F5344CB8AC3E}">
+        <p14:creationId xmlns:p14="http://schemas.microsoft.com/office/powerpoint/2010/main" val="1222034625"/>
+      </p:ext>
+    </p:extLst>
+  </p:cSld>
+  <p:clrMapOvr>
+    <a:masterClrMapping/>
+  </p:clrMapOvr>
+</p:sld>
+</file>
+
+<file path=ppt/slides/slide17.xml><?xml version="1.0" encoding="utf-8"?>
+<p:sld xmlns:a="http://schemas.openxmlformats.org/drawingml/2006/main" xmlns:r="http://schemas.openxmlformats.org/officeDocument/2006/relationships" xmlns:p="http://schemas.openxmlformats.org/presentationml/2006/main">
+  <p:cSld>
+    <p:spTree>
+      <p:nvGrpSpPr>
+        <p:cNvPr id="1" name=""/>
+        <p:cNvGrpSpPr/>
+        <p:nvPr/>
+      </p:nvGrpSpPr>
+      <p:grpSpPr>
+        <a:xfrm>
+          <a:off x="0" y="0"/>
+          <a:ext cx="0" cy="0"/>
+          <a:chOff x="0" y="0"/>
+          <a:chExt cx="0" cy="0"/>
+        </a:xfrm>
+      </p:grpSpPr>
+      <p:sp>
+        <p:nvSpPr>
+          <p:cNvPr id="2" name="Title 1">
+            <a:extLst>
+              <a:ext uri="{FF2B5EF4-FFF2-40B4-BE49-F238E27FC236}">
+                <a16:creationId xmlns:a16="http://schemas.microsoft.com/office/drawing/2014/main" id="{6997DFD1-2EE7-4F46-93A6-D6BE138314CF}"/>
+              </a:ext>
+            </a:extLst>
+          </p:cNvPr>
+          <p:cNvSpPr>
+            <a:spLocks noGrp="1"/>
+          </p:cNvSpPr>
+          <p:nvPr>
+            <p:ph type="title"/>
+          </p:nvPr>
+        </p:nvSpPr>
+        <p:spPr/>
+        <p:txBody>
+          <a:bodyPr/>
+          <a:lstStyle/>
+          <a:p>
+            <a:r>
+              <a:rPr lang="en-US" dirty="0"/>
+              <a:t>Results: </a:t>
+            </a:r>
+            <a:r>
+              <a:rPr lang="en-US" dirty="0" err="1"/>
+              <a:t>Kohonen</a:t>
+            </a:r>
+            <a:r>
+              <a:rPr lang="en-US" dirty="0"/>
+              <a:t> maps</a:t>
+            </a:r>
+          </a:p>
+        </p:txBody>
+      </p:sp>
+      <p:sp>
+        <p:nvSpPr>
+          <p:cNvPr id="3" name="Content Placeholder 2">
+            <a:extLst>
+              <a:ext uri="{FF2B5EF4-FFF2-40B4-BE49-F238E27FC236}">
+                <a16:creationId xmlns:a16="http://schemas.microsoft.com/office/drawing/2014/main" id="{ACFF7B48-ABBD-E84A-A0B7-F84D861B3155}"/>
+              </a:ext>
+            </a:extLst>
+          </p:cNvPr>
+          <p:cNvSpPr>
+            <a:spLocks noGrp="1"/>
+          </p:cNvSpPr>
+          <p:nvPr>
+            <p:ph sz="half" idx="1"/>
+          </p:nvPr>
+        </p:nvSpPr>
+        <p:spPr>
+          <a:xfrm>
+            <a:off x="685800" y="2194559"/>
+            <a:ext cx="10820400" cy="4282441"/>
+          </a:xfrm>
+        </p:spPr>
+        <p:txBody>
+          <a:bodyPr>
+            <a:normAutofit/>
+          </a:bodyPr>
+          <a:lstStyle/>
+          <a:p>
+            <a:r>
+              <a:rPr lang="en-US" dirty="0"/>
+              <a:t>Generic features only:</a:t>
+            </a:r>
+          </a:p>
+          <a:p>
+            <a:pPr lvl="1"/>
+            <a:r>
+              <a:rPr lang="en-US" dirty="0"/>
+              <a:t>Good sensitivity (around 80%)</a:t>
+            </a:r>
+          </a:p>
+          <a:p>
+            <a:pPr lvl="1"/>
+            <a:r>
+              <a:rPr lang="en-US" dirty="0"/>
+              <a:t>Poor specificity (50% or less)</a:t>
+            </a:r>
+          </a:p>
+          <a:p>
+            <a:r>
+              <a:rPr lang="en-US" dirty="0"/>
+              <a:t>Targeted features included:</a:t>
+            </a:r>
+          </a:p>
+          <a:p>
+            <a:pPr lvl="1"/>
+            <a:r>
+              <a:rPr lang="en-US" dirty="0"/>
+              <a:t>Increased sensitivity (&gt; 90%)</a:t>
+            </a:r>
+          </a:p>
+          <a:p>
+            <a:pPr lvl="1"/>
+            <a:r>
+              <a:rPr lang="en-US" dirty="0"/>
+              <a:t>Decreased specificity (25-30%)</a:t>
+            </a:r>
+          </a:p>
+          <a:p>
+            <a:r>
+              <a:rPr lang="en-US" dirty="0"/>
+              <a:t>Starting cluster centers generated randomly – exact results varied based on runs</a:t>
+            </a:r>
+          </a:p>
+          <a:p>
+            <a:r>
+              <a:rPr lang="en-US" dirty="0"/>
+              <a:t>FLD slightly improves results</a:t>
+            </a:r>
+          </a:p>
+          <a:p>
+            <a:r>
+              <a:rPr lang="en-US" dirty="0"/>
+              <a:t>PCA slightly reduces sensitivity and slightly increases specificity</a:t>
+            </a:r>
+          </a:p>
+          <a:p>
+            <a:r>
+              <a:rPr lang="en-US" dirty="0"/>
+              <a:t>e = 0.0001, 100 iterations</a:t>
+            </a:r>
+          </a:p>
+          <a:p>
+            <a:endParaRPr lang="en-US" dirty="0"/>
+          </a:p>
+        </p:txBody>
+      </p:sp>
+      <p:sp>
+        <p:nvSpPr>
+          <p:cNvPr id="4" name="Slide Number Placeholder 3">
+            <a:extLst>
+              <a:ext uri="{FF2B5EF4-FFF2-40B4-BE49-F238E27FC236}">
+                <a16:creationId xmlns:a16="http://schemas.microsoft.com/office/drawing/2014/main" id="{FC24BA33-E065-7E4D-9E8C-661DC1F91065}"/>
+              </a:ext>
+            </a:extLst>
+          </p:cNvPr>
+          <p:cNvSpPr>
+            <a:spLocks noGrp="1"/>
+          </p:cNvSpPr>
+          <p:nvPr>
+            <p:ph type="sldNum" sz="quarter" idx="12"/>
+          </p:nvPr>
+        </p:nvSpPr>
+        <p:spPr/>
+        <p:txBody>
+          <a:bodyPr/>
+          <a:lstStyle/>
+          <a:p>
+            <a:fld id="{3A4BAB20-50F8-EF4B-8837-84AB231E2086}" type="slidenum">
+              <a:rPr lang="en-US" smtClean="0"/>
+              <a:t>17</a:t>
+            </a:fld>
+            <a:endParaRPr lang="en-US" dirty="0"/>
+          </a:p>
+        </p:txBody>
+      </p:sp>
+    </p:spTree>
+    <p:extLst>
+      <p:ext uri="{BB962C8B-B14F-4D97-AF65-F5344CB8AC3E}">
+        <p14:creationId xmlns:p14="http://schemas.microsoft.com/office/powerpoint/2010/main" val="3471649585"/>
+      </p:ext>
+    </p:extLst>
+  </p:cSld>
+  <p:clrMapOvr>
+    <a:masterClrMapping/>
+  </p:clrMapOvr>
+</p:sld>
+</file>
+
+<file path=ppt/slides/slide18.xml><?xml version="1.0" encoding="utf-8"?>
+<p:sld xmlns:a="http://schemas.openxmlformats.org/drawingml/2006/main" xmlns:r="http://schemas.openxmlformats.org/officeDocument/2006/relationships" xmlns:p="http://schemas.openxmlformats.org/presentationml/2006/main">
+  <p:cSld>
+    <p:spTree>
+      <p:nvGrpSpPr>
+        <p:cNvPr id="1" name=""/>
+        <p:cNvGrpSpPr/>
+        <p:nvPr/>
+      </p:nvGrpSpPr>
+      <p:grpSpPr>
+        <a:xfrm>
+          <a:off x="0" y="0"/>
+          <a:ext cx="0" cy="0"/>
+          <a:chOff x="0" y="0"/>
+          <a:chExt cx="0" cy="0"/>
+        </a:xfrm>
+      </p:grpSpPr>
+      <p:sp>
+        <p:nvSpPr>
+          <p:cNvPr id="2" name="Title 1">
+            <a:extLst>
+              <a:ext uri="{FF2B5EF4-FFF2-40B4-BE49-F238E27FC236}">
+                <a16:creationId xmlns:a16="http://schemas.microsoft.com/office/drawing/2014/main" id="{6997DFD1-2EE7-4F46-93A6-D6BE138314CF}"/>
+              </a:ext>
+            </a:extLst>
+          </p:cNvPr>
+          <p:cNvSpPr>
+            <a:spLocks noGrp="1"/>
+          </p:cNvSpPr>
+          <p:nvPr>
+            <p:ph type="title"/>
+          </p:nvPr>
+        </p:nvSpPr>
+        <p:spPr/>
+        <p:txBody>
+          <a:bodyPr/>
+          <a:lstStyle/>
+          <a:p>
+            <a:r>
+              <a:rPr lang="en-US" dirty="0"/>
+              <a:t>overview</a:t>
+            </a:r>
+          </a:p>
+        </p:txBody>
+      </p:sp>
+      <p:sp>
+        <p:nvSpPr>
+          <p:cNvPr id="3" name="Content Placeholder 2">
+            <a:extLst>
+              <a:ext uri="{FF2B5EF4-FFF2-40B4-BE49-F238E27FC236}">
+                <a16:creationId xmlns:a16="http://schemas.microsoft.com/office/drawing/2014/main" id="{ACFF7B48-ABBD-E84A-A0B7-F84D861B3155}"/>
+              </a:ext>
+            </a:extLst>
+          </p:cNvPr>
+          <p:cNvSpPr>
+            <a:spLocks noGrp="1"/>
+          </p:cNvSpPr>
+          <p:nvPr>
+            <p:ph sz="half" idx="1"/>
+          </p:nvPr>
+        </p:nvSpPr>
+        <p:spPr>
+          <a:xfrm>
+            <a:off x="685800" y="2194559"/>
+            <a:ext cx="10820400" cy="4024125"/>
+          </a:xfrm>
+        </p:spPr>
+        <p:txBody>
+          <a:bodyPr>
+            <a:normAutofit/>
+          </a:bodyPr>
+          <a:lstStyle/>
+          <a:p>
+            <a:r>
+              <a:rPr lang="en-US" dirty="0"/>
+              <a:t>Unsupervised methods overall had good sensitivity but poor specificity</a:t>
+            </a:r>
+          </a:p>
+          <a:p>
+            <a:r>
+              <a:rPr lang="en-US" dirty="0"/>
+              <a:t>Supervised methods overall had poor sensitivity but good specificity</a:t>
+            </a:r>
+          </a:p>
+          <a:p>
+            <a:r>
+              <a:rPr lang="en-US" dirty="0"/>
+              <a:t>Back-propagating neural networks provided the best overall results from a single classifier (i.e. nothing is exceptionally bad)</a:t>
+            </a:r>
+          </a:p>
+          <a:p>
+            <a:r>
+              <a:rPr lang="en-US" dirty="0"/>
+              <a:t>A combined approach is needed to develop a useful classifier</a:t>
+            </a:r>
+          </a:p>
+          <a:p>
+            <a:endParaRPr lang="en-US" dirty="0"/>
+          </a:p>
+          <a:p>
+            <a:endParaRPr lang="en-US" dirty="0"/>
+          </a:p>
+        </p:txBody>
+      </p:sp>
+      <p:sp>
+        <p:nvSpPr>
+          <p:cNvPr id="4" name="Slide Number Placeholder 3">
+            <a:extLst>
+              <a:ext uri="{FF2B5EF4-FFF2-40B4-BE49-F238E27FC236}">
+                <a16:creationId xmlns:a16="http://schemas.microsoft.com/office/drawing/2014/main" id="{FC24BA33-E065-7E4D-9E8C-661DC1F91065}"/>
+              </a:ext>
+            </a:extLst>
+          </p:cNvPr>
+          <p:cNvSpPr>
+            <a:spLocks noGrp="1"/>
+          </p:cNvSpPr>
+          <p:nvPr>
+            <p:ph type="sldNum" sz="quarter" idx="12"/>
+          </p:nvPr>
+        </p:nvSpPr>
+        <p:spPr/>
+        <p:txBody>
+          <a:bodyPr/>
+          <a:lstStyle/>
+          <a:p>
+            <a:fld id="{3A4BAB20-50F8-EF4B-8837-84AB231E2086}" type="slidenum">
+              <a:rPr lang="en-US" smtClean="0"/>
+              <a:t>18</a:t>
+            </a:fld>
+            <a:endParaRPr lang="en-US" dirty="0"/>
+          </a:p>
+        </p:txBody>
+      </p:sp>
+    </p:spTree>
+    <p:extLst>
+      <p:ext uri="{BB962C8B-B14F-4D97-AF65-F5344CB8AC3E}">
+        <p14:creationId xmlns:p14="http://schemas.microsoft.com/office/powerpoint/2010/main" val="3101550860"/>
+      </p:ext>
+    </p:extLst>
+  </p:cSld>
+  <p:clrMapOvr>
+    <a:masterClrMapping/>
+  </p:clrMapOvr>
+</p:sld>
+</file>
+
+<file path=ppt/slides/slide19.xml><?xml version="1.0" encoding="utf-8"?>
+<p:sld xmlns:a="http://schemas.openxmlformats.org/drawingml/2006/main" xmlns:r="http://schemas.openxmlformats.org/officeDocument/2006/relationships" xmlns:p="http://schemas.openxmlformats.org/presentationml/2006/main">
+  <p:cSld>
+    <p:spTree>
+      <p:nvGrpSpPr>
+        <p:cNvPr id="1" name=""/>
+        <p:cNvGrpSpPr/>
+        <p:nvPr/>
+      </p:nvGrpSpPr>
+      <p:grpSpPr>
+        <a:xfrm>
+          <a:off x="0" y="0"/>
+          <a:ext cx="0" cy="0"/>
+          <a:chOff x="0" y="0"/>
+          <a:chExt cx="0" cy="0"/>
+        </a:xfrm>
+      </p:grpSpPr>
+      <p:sp>
+        <p:nvSpPr>
+          <p:cNvPr id="2" name="Title 1">
+            <a:extLst>
+              <a:ext uri="{FF2B5EF4-FFF2-40B4-BE49-F238E27FC236}">
+                <a16:creationId xmlns:a16="http://schemas.microsoft.com/office/drawing/2014/main" id="{6997DFD1-2EE7-4F46-93A6-D6BE138314CF}"/>
+              </a:ext>
+            </a:extLst>
+          </p:cNvPr>
+          <p:cNvSpPr>
+            <a:spLocks noGrp="1"/>
+          </p:cNvSpPr>
+          <p:nvPr>
+            <p:ph type="title"/>
+          </p:nvPr>
+        </p:nvSpPr>
+        <p:spPr/>
+        <p:txBody>
+          <a:bodyPr/>
+          <a:lstStyle/>
+          <a:p>
+            <a:r>
+              <a:rPr lang="en-US" dirty="0"/>
+              <a:t>Future Work</a:t>
+            </a:r>
+          </a:p>
+        </p:txBody>
+      </p:sp>
+      <p:sp>
+        <p:nvSpPr>
+          <p:cNvPr id="3" name="Content Placeholder 2">
+            <a:extLst>
+              <a:ext uri="{FF2B5EF4-FFF2-40B4-BE49-F238E27FC236}">
+                <a16:creationId xmlns:a16="http://schemas.microsoft.com/office/drawing/2014/main" id="{ACFF7B48-ABBD-E84A-A0B7-F84D861B3155}"/>
+              </a:ext>
+            </a:extLst>
+          </p:cNvPr>
+          <p:cNvSpPr>
+            <a:spLocks noGrp="1"/>
+          </p:cNvSpPr>
+          <p:nvPr>
+            <p:ph sz="half" idx="1"/>
+          </p:nvPr>
+        </p:nvSpPr>
+        <p:spPr>
+          <a:xfrm>
+            <a:off x="685800" y="2194559"/>
+            <a:ext cx="10820400" cy="4024125"/>
+          </a:xfrm>
+        </p:spPr>
+        <p:txBody>
+          <a:bodyPr>
+            <a:normAutofit/>
+          </a:bodyPr>
+          <a:lstStyle/>
+          <a:p>
+            <a:r>
+              <a:rPr lang="en-US" dirty="0"/>
+              <a:t>Detailed feature extraction based on sentence structure would probably yield better classifier results</a:t>
+            </a:r>
+          </a:p>
+          <a:p>
+            <a:pPr lvl="1"/>
+            <a:r>
+              <a:rPr lang="en-US" dirty="0"/>
+              <a:t>This was beyond the scope of our abilities for this project, in terms of both time and computing power</a:t>
+            </a:r>
+          </a:p>
+          <a:p>
+            <a:endParaRPr lang="en-US" dirty="0"/>
+          </a:p>
+        </p:txBody>
+      </p:sp>
+      <p:sp>
+        <p:nvSpPr>
+          <p:cNvPr id="4" name="Slide Number Placeholder 3">
+            <a:extLst>
+              <a:ext uri="{FF2B5EF4-FFF2-40B4-BE49-F238E27FC236}">
+                <a16:creationId xmlns:a16="http://schemas.microsoft.com/office/drawing/2014/main" id="{FC24BA33-E065-7E4D-9E8C-661DC1F91065}"/>
+              </a:ext>
+            </a:extLst>
+          </p:cNvPr>
+          <p:cNvSpPr>
+            <a:spLocks noGrp="1"/>
+          </p:cNvSpPr>
+          <p:nvPr>
+            <p:ph type="sldNum" sz="quarter" idx="12"/>
+          </p:nvPr>
+        </p:nvSpPr>
+        <p:spPr/>
+        <p:txBody>
+          <a:bodyPr/>
+          <a:lstStyle/>
+          <a:p>
+            <a:fld id="{3A4BAB20-50F8-EF4B-8837-84AB231E2086}" type="slidenum">
+              <a:rPr lang="en-US" smtClean="0"/>
+              <a:t>19</a:t>
             </a:fld>
             <a:endParaRPr lang="en-US" dirty="0"/>
           </a:p>
@@ -7754,7 +8560,7 @@
           <a:p>
             <a:r>
               <a:rPr lang="en-US" dirty="0"/>
-              <a:t>Our Data?</a:t>
+              <a:t>Our Data</a:t>
             </a:r>
           </a:p>
         </p:txBody>
@@ -7783,6 +8589,32 @@
             <a:r>
               <a:rPr lang="en-US" dirty="0"/>
               <a:t>Tweets from six prolific Twitter users selected</a:t>
+            </a:r>
+          </a:p>
+          <a:p>
+            <a:r>
+              <a:rPr lang="en-US" dirty="0"/>
+              <a:t>Training set (when needed) consists of 10 000 total tweets</a:t>
+            </a:r>
+          </a:p>
+          <a:p>
+            <a:pPr lvl="1"/>
+            <a:r>
+              <a:rPr lang="en-US" dirty="0"/>
+              <a:t>50% from “target user” and 50% split evenly between the other five</a:t>
+            </a:r>
+          </a:p>
+          <a:p>
+            <a:r>
+              <a:rPr lang="en-US" dirty="0"/>
+              <a:t>Test set consists of 1000 total tweets</a:t>
+            </a:r>
+          </a:p>
+          <a:p>
+            <a:pPr lvl="1"/>
+            <a:r>
+              <a:rPr lang="en-US" dirty="0"/>
+              <a:t>50% from “target user” and 50% split evenly between the other five</a:t>
             </a:r>
           </a:p>
         </p:txBody>

--- a/presentation.pptx
+++ b/presentation.pptx
@@ -8345,6 +8345,24 @@
               <a:rPr lang="en-US" dirty="0"/>
               <a:t>This was beyond the scope of our abilities for this project, in terms of both time and computing power</a:t>
             </a:r>
+          </a:p>
+          <a:p>
+            <a:r>
+              <a:rPr lang="en-US" dirty="0"/>
+              <a:t>Previous work has been done on ”sentiment analysis” – this would be THE most promising technique to accomplish what we want to accomplish</a:t>
+            </a:r>
+          </a:p>
+          <a:p>
+            <a:pPr lvl="1"/>
+            <a:r>
+              <a:rPr lang="en-US" dirty="0"/>
+              <a:t>Makes heavy use of text analysis and natural </a:t>
+            </a:r>
+            <a:r>
+              <a:rPr lang="en-US"/>
+              <a:t>language processing</a:t>
+            </a:r>
+            <a:endParaRPr lang="en-US" dirty="0"/>
           </a:p>
           <a:p>
             <a:endParaRPr lang="en-US" dirty="0"/>
